--- a/Preiliminary Report/Development of an Active Acoustic Tension Cable Damage.pptx
+++ b/Preiliminary Report/Development of an Active Acoustic Tension Cable Damage.pptx
@@ -243,7 +243,7 @@
           <a:p>
             <a:fld id="{05FE0B81-8D90-4D6C-B255-02EF5500F73A}" type="datetimeFigureOut">
               <a:rPr lang="en-US" smtClean="0"/>
-              <a:t>10/13/2014</a:t>
+              <a:t>10/14/14</a:t>
             </a:fld>
             <a:endParaRPr lang="en-US"/>
           </a:p>
@@ -413,7 +413,7 @@
           <a:p>
             <a:fld id="{05FE0B81-8D90-4D6C-B255-02EF5500F73A}" type="datetimeFigureOut">
               <a:rPr lang="en-US" smtClean="0"/>
-              <a:t>10/13/2014</a:t>
+              <a:t>10/14/14</a:t>
             </a:fld>
             <a:endParaRPr lang="en-US"/>
           </a:p>
@@ -593,7 +593,7 @@
           <a:p>
             <a:fld id="{05FE0B81-8D90-4D6C-B255-02EF5500F73A}" type="datetimeFigureOut">
               <a:rPr lang="en-US" smtClean="0"/>
-              <a:t>10/13/2014</a:t>
+              <a:t>10/14/14</a:t>
             </a:fld>
             <a:endParaRPr lang="en-US"/>
           </a:p>
@@ -763,7 +763,7 @@
           <a:p>
             <a:fld id="{05FE0B81-8D90-4D6C-B255-02EF5500F73A}" type="datetimeFigureOut">
               <a:rPr lang="en-US" smtClean="0"/>
-              <a:t>10/13/2014</a:t>
+              <a:t>10/14/14</a:t>
             </a:fld>
             <a:endParaRPr lang="en-US"/>
           </a:p>
@@ -1009,7 +1009,7 @@
           <a:p>
             <a:fld id="{05FE0B81-8D90-4D6C-B255-02EF5500F73A}" type="datetimeFigureOut">
               <a:rPr lang="en-US" smtClean="0"/>
-              <a:t>10/13/2014</a:t>
+              <a:t>10/14/14</a:t>
             </a:fld>
             <a:endParaRPr lang="en-US"/>
           </a:p>
@@ -1241,7 +1241,7 @@
           <a:p>
             <a:fld id="{05FE0B81-8D90-4D6C-B255-02EF5500F73A}" type="datetimeFigureOut">
               <a:rPr lang="en-US" smtClean="0"/>
-              <a:t>10/13/2014</a:t>
+              <a:t>10/14/14</a:t>
             </a:fld>
             <a:endParaRPr lang="en-US"/>
           </a:p>
@@ -1608,7 +1608,7 @@
           <a:p>
             <a:fld id="{05FE0B81-8D90-4D6C-B255-02EF5500F73A}" type="datetimeFigureOut">
               <a:rPr lang="en-US" smtClean="0"/>
-              <a:t>10/13/2014</a:t>
+              <a:t>10/14/14</a:t>
             </a:fld>
             <a:endParaRPr lang="en-US"/>
           </a:p>
@@ -1726,7 +1726,7 @@
           <a:p>
             <a:fld id="{05FE0B81-8D90-4D6C-B255-02EF5500F73A}" type="datetimeFigureOut">
               <a:rPr lang="en-US" smtClean="0"/>
-              <a:t>10/13/2014</a:t>
+              <a:t>10/14/14</a:t>
             </a:fld>
             <a:endParaRPr lang="en-US"/>
           </a:p>
@@ -1821,7 +1821,7 @@
           <a:p>
             <a:fld id="{05FE0B81-8D90-4D6C-B255-02EF5500F73A}" type="datetimeFigureOut">
               <a:rPr lang="en-US" smtClean="0"/>
-              <a:t>10/13/2014</a:t>
+              <a:t>10/14/14</a:t>
             </a:fld>
             <a:endParaRPr lang="en-US"/>
           </a:p>
@@ -2098,7 +2098,7 @@
           <a:p>
             <a:fld id="{05FE0B81-8D90-4D6C-B255-02EF5500F73A}" type="datetimeFigureOut">
               <a:rPr lang="en-US" smtClean="0"/>
-              <a:t>10/13/2014</a:t>
+              <a:t>10/14/14</a:t>
             </a:fld>
             <a:endParaRPr lang="en-US"/>
           </a:p>
@@ -2351,7 +2351,7 @@
           <a:p>
             <a:fld id="{05FE0B81-8D90-4D6C-B255-02EF5500F73A}" type="datetimeFigureOut">
               <a:rPr lang="en-US" smtClean="0"/>
-              <a:t>10/13/2014</a:t>
+              <a:t>10/14/14</a:t>
             </a:fld>
             <a:endParaRPr lang="en-US"/>
           </a:p>
@@ -2564,7 +2564,7 @@
           <a:p>
             <a:fld id="{05FE0B81-8D90-4D6C-B255-02EF5500F73A}" type="datetimeFigureOut">
               <a:rPr lang="en-US" smtClean="0"/>
-              <a:t>10/13/2014</a:t>
+              <a:t>10/14/14</a:t>
             </a:fld>
             <a:endParaRPr lang="en-US"/>
           </a:p>
@@ -3019,14 +3019,24 @@
           <a:p>
             <a:r>
               <a:rPr lang="en-US" dirty="0" smtClean="0"/>
-              <a:t>Names go here</a:t>
-            </a:r>
-          </a:p>
-          <a:p>
-            <a:r>
-              <a:rPr lang="en-US" dirty="0" smtClean="0"/>
-              <a:t>Advisors go here</a:t>
-            </a:r>
+              <a:t>Smith, </a:t>
+            </a:r>
+            <a:r>
+              <a:rPr lang="en-US" dirty="0" err="1" smtClean="0"/>
+              <a:t>Cressman</a:t>
+            </a:r>
+            <a:r>
+              <a:rPr lang="en-US" dirty="0" smtClean="0"/>
+              <a:t>, Baima, Morano, Pickering</a:t>
+            </a:r>
+            <a:endParaRPr lang="en-US" dirty="0" smtClean="0"/>
+          </a:p>
+          <a:p>
+            <a:r>
+              <a:rPr lang="en-US" dirty="0" smtClean="0"/>
+              <a:t>Vincent, Hu</a:t>
+            </a:r>
+            <a:endParaRPr lang="en-US" dirty="0" smtClean="0"/>
           </a:p>
           <a:p>
             <a:r>
@@ -3112,20 +3122,20 @@
               <a:t>Large scale structures such as bridges are a vital component of transportation in developed countries.  These structures require specific and careful maintenance to ensure the safety of the public that use them.  The term structural health monitoring (SHM) refers to the process of identifying and mitigating damage to engineering structures. A </a:t>
             </a:r>
             <a:r>
-              <a:rPr lang="en-US" dirty="0" err="1" smtClean="0"/>
-              <a:t>paticularly</a:t>
-            </a:r>
-            <a:r>
-              <a:rPr lang="en-US" dirty="0" smtClean="0"/>
-              <a:t> relevant example is the main cable bundles on Suspension bridges.  Over time individual cables in the main </a:t>
-            </a:r>
-            <a:r>
-              <a:rPr lang="en-US" dirty="0" err="1" smtClean="0"/>
-              <a:t>budles</a:t>
-            </a:r>
-            <a:r>
-              <a:rPr lang="en-US" dirty="0" smtClean="0"/>
-              <a:t> will corrode and snap.  Current SHM methods for monitoring the health of these cables is costly and time intensive:</a:t>
+              <a:rPr lang="en-US" dirty="0" smtClean="0"/>
+              <a:t>particularly </a:t>
+            </a:r>
+            <a:r>
+              <a:rPr lang="en-US" dirty="0" smtClean="0"/>
+              <a:t>relevant example is the main cable bundles on Suspension bridges.  Over time individual cables in the main </a:t>
+            </a:r>
+            <a:r>
+              <a:rPr lang="en-US" dirty="0" smtClean="0"/>
+              <a:t>bundles </a:t>
+            </a:r>
+            <a:r>
+              <a:rPr lang="en-US" dirty="0" smtClean="0"/>
+              <a:t>will corrode and snap.  Current SHM methods for monitoring the health of these cables is costly and time intensive:</a:t>
             </a:r>
           </a:p>
           <a:p>
@@ -3229,11 +3239,15 @@
             </a:r>
             <a:r>
               <a:rPr lang="en-US" dirty="0" err="1" smtClean="0"/>
-              <a:t>Claireborn</a:t>
-            </a:r>
-            <a:r>
-              <a:rPr lang="en-US" dirty="0" smtClean="0"/>
-              <a:t> Pell Bridge as a test bed, acoustic monitoring of suspension cables will be explored as a viable replacement to current inspection methods.</a:t>
+              <a:t>Claiborn</a:t>
+            </a:r>
+            <a:r>
+              <a:rPr lang="en-US" dirty="0" smtClean="0"/>
+              <a:t> </a:t>
+            </a:r>
+            <a:r>
+              <a:rPr lang="en-US" dirty="0" smtClean="0"/>
+              <a:t>Pell Bridge as a test bed, acoustic monitoring of suspension cables will be explored as a viable replacement to current inspection methods.</a:t>
             </a:r>
           </a:p>
           <a:p>
@@ -3689,7 +3703,7 @@
     </a:clrScheme>
     <a:fontScheme name="Office">
       <a:majorFont>
-        <a:latin typeface="Calibri Light" panose="020F0302020204030204"/>
+        <a:latin typeface="Calibri Light"/>
         <a:ea typeface=""/>
         <a:cs typeface=""/>
         <a:font script="Jpan" typeface="ＭＳ Ｐゴシック"/>
@@ -3724,7 +3738,7 @@
         <a:font script="Geor" typeface="Sylfaen"/>
       </a:majorFont>
       <a:minorFont>
-        <a:latin typeface="Calibri" panose="020F0502020204030204"/>
+        <a:latin typeface="Calibri"/>
         <a:ea typeface=""/>
         <a:cs typeface=""/>
         <a:font script="Jpan" typeface="ＭＳ Ｐゴシック"/>
@@ -3901,7 +3915,7 @@
   <a:extraClrSchemeLst/>
   <a:extLst>
     <a:ext uri="{05A4C25C-085E-4340-85A3-A5531E510DB2}">
-      <thm15:themeFamily xmlns:thm15="http://schemas.microsoft.com/office/thememl/2012/main" name="Office Theme" id="{62F939B6-93AF-4DB8-9C6B-D6C7DFDC589F}" vid="{4A3C46E8-61CC-4603-A589-7422A47A8E4A}"/>
+      <thm15:themeFamily xmlns:thm15="http://schemas.microsoft.com/office/thememl/2012/main" xmlns="" name="Office Theme" id="{62F939B6-93AF-4DB8-9C6B-D6C7DFDC589F}" vid="{4A3C46E8-61CC-4603-A589-7422A47A8E4A}"/>
     </a:ext>
   </a:extLst>
 </a:theme>
